--- a/Lectures/W9 - PfD Languages.pptx
+++ b/Lectures/W9 - PfD Languages.pptx
@@ -233,7 +233,7 @@
           <a:p>
             <a:fld id="{938D07C0-EB1F-E74E-AF70-074EAAA88DD5}" type="datetimeFigureOut">
               <a:rPr lang="en-US" smtClean="0"/>
-              <a:t>9/29/2019</a:t>
+              <a:t>15-Oct-19</a:t>
             </a:fld>
             <a:endParaRPr lang="en-US"/>
           </a:p>
@@ -14741,7 +14741,7 @@
           <a:p>
             <a:fld id="{1CBC8126-145F-43A5-BF53-1439CCFE803F}" type="datetimeFigureOut">
               <a:rPr lang="en-AU" smtClean="0"/>
-              <a:t>29/09/2019</a:t>
+              <a:t>15/10/2019</a:t>
             </a:fld>
             <a:endParaRPr lang="en-AU"/>
           </a:p>
@@ -21483,7 +21483,7 @@
         </p:blipFill>
         <p:spPr bwMode="auto">
           <a:xfrm>
-            <a:off x="6069013" y="2942114"/>
+            <a:off x="6069013" y="2932066"/>
             <a:ext cx="2276475" cy="2009775"/>
           </a:xfrm>
           <a:prstGeom prst="rect">
